--- a/IKM.pptx
+++ b/IKM.pptx
@@ -23446,8 +23446,8 @@
         </p:nvSpPr>
         <p:spPr>
           <a:xfrm>
-            <a:off x="566437" y="1690400"/>
-            <a:ext cx="7704000" cy="2630313"/>
+            <a:off x="566437" y="1690401"/>
+            <a:ext cx="7704000" cy="2043982"/>
           </a:xfrm>
         </p:spPr>
         <p:txBody>
@@ -23459,31 +23459,7 @@
             </a:pPr>
             <a:r>
               <a:rPr lang="en-US" sz="1800" dirty="0"/>
-              <a:t>The project successfully built a </a:t>
-            </a:r>
-            <a:r>
-              <a:rPr lang="en-US" sz="1800" b="1" dirty="0"/>
-              <a:t>safe and scalable system</a:t>
-            </a:r>
-            <a:r>
-              <a:rPr lang="en-US" sz="1800" dirty="0"/>
-              <a:t> for managing internal knowledge, making sure that important documents like FAQs, SOPs, and processes can be stored and used easily. With </a:t>
-            </a:r>
-            <a:r>
-              <a:rPr lang="en-US" sz="1800" b="1" dirty="0"/>
-              <a:t>search features and version control</a:t>
-            </a:r>
-            <a:r>
-              <a:rPr lang="en-US" sz="1800" dirty="0"/>
-              <a:t>, the system helps users find information quickly and correctly. To keep information safe, it uses </a:t>
-            </a:r>
-            <a:r>
-              <a:rPr lang="en-US" sz="1800" b="1" dirty="0"/>
-              <a:t>role-based access</a:t>
-            </a:r>
-            <a:r>
-              <a:rPr lang="en-US" sz="1800" dirty="0"/>
-              <a:t>, so only the right people can view or edit content. </a:t>
+              <a:t>The project successfully built a safe and scalable system for managing internal knowledge, making sure that important documents like articles and processes can be stored and used easily. With search features, the system helps users find information quickly and correctly. To keep information safe, it uses role-based access, so only the right people can view or edit content.</a:t>
             </a:r>
             <a:endParaRPr lang="en-IN" sz="1800" dirty="0"/>
           </a:p>
@@ -25563,7 +25539,7 @@
               <a:rPr lang="en-US" sz="1800" dirty="0">
                 <a:latin typeface="DM Sans" pitchFamily="2" charset="0"/>
               </a:rPr>
-              <a:t>This project is about building an Internal Knowledge Management System that helps organizations store, organize, and share important documents like articles and process notes in one secure place. It is designed using Spring Boot and PostgreSQL, making it reliable and scalable for long-term use. The system also provides advanced search, version control, and role-based access, so that employees can quickly find the right information while keeping sensitive data safe. Overall, it aims to make knowledge easy to manage, easy to access, and more useful for everyone in the organization.</a:t>
+              <a:t>This project is about building an Internal Knowledge Management System that helps organizations store, organize, and share important documents like articles and process notes in one secure place. It is designed using Spring Boot and PostgreSQL, making it reliable and scalable for long-term use. The system also provides advanced search, and role-based access, so that employees can quickly find the right information while keeping sensitive data safe. Overall, it aims to make knowledge easy to manage, easy to access, and more useful for everyone in the organization.</a:t>
             </a:r>
           </a:p>
         </p:txBody>
@@ -27133,7 +27109,7 @@
             </a:pPr>
             <a:r>
               <a:rPr lang="en-IN" b="1" dirty="0"/>
-              <a:t>CRUD with Versioning: </a:t>
+              <a:t>CRUD Operations: </a:t>
             </a:r>
             <a:r>
               <a:rPr lang="en-IN" dirty="0"/>
@@ -27196,7 +27172,7 @@
             </a:pPr>
             <a:r>
               <a:rPr lang="en-US" dirty="0"/>
-              <a:t>PostgreSQL, Flyway migrations, trigram indexes</a:t>
+              <a:t>PostgreSQL, Flyway migrations</a:t>
             </a:r>
           </a:p>
           <a:p>
